--- a/urbanization-g20-members.pptx
+++ b/urbanization-g20-members.pptx
@@ -7263,7 +7263,15 @@
             </a:r>
             <a:r>
               <a:rPr lang="en-US" dirty="0"/>
-              <a:t>Urbanization does led to a labor structure heavy in service </a:t>
+              <a:t>Urbanization does </a:t>
+            </a:r>
+            <a:r>
+              <a:rPr lang="en-US" dirty="0" smtClean="0"/>
+              <a:t>lead </a:t>
+            </a:r>
+            <a:r>
+              <a:rPr lang="en-US" dirty="0"/>
+              <a:t>to a labor structure heavy in service </a:t>
             </a:r>
             <a:r>
               <a:rPr lang="en-US" dirty="0" smtClean="0"/>
